--- a/Betriebsanleitung/Betriebsanleitung Schreibtisch.pptx
+++ b/Betriebsanleitung/Betriebsanleitung Schreibtisch.pptx
@@ -6382,7 +6382,7 @@
                 <a:latin typeface="Verdana" panose="020B0604030504040204" pitchFamily="34" charset="0"/>
                 <a:ea typeface="Verdana" panose="020B0604030504040204" pitchFamily="34" charset="0"/>
               </a:rPr>
-              <a:t>Nicht alleine Aufbauen</a:t>
+              <a:t>Bitte mit mehreren Personen aufbauen</a:t>
             </a:r>
           </a:p>
           <a:p>
@@ -7731,7 +7731,7 @@
                 <a:latin typeface="Verdana" panose="020B0604030504040204" pitchFamily="34" charset="0"/>
                 <a:ea typeface="Verdana" panose="020B0604030504040204" pitchFamily="34" charset="0"/>
               </a:rPr>
-              <a:t>Überprüfen sie den Zustand des Tisches vor jeder Inbetriebnahme</a:t>
+              <a:t>Überprüfen Sie den Zustand des Tisches vor jeder Inbetriebnahme</a:t>
             </a:r>
           </a:p>
           <a:p>

--- a/Betriebsanleitung/Betriebsanleitung Schreibtisch.pptx
+++ b/Betriebsanleitung/Betriebsanleitung Schreibtisch.pptx
@@ -4068,7 +4068,7 @@
         </p:spPr>
         <p:txBody>
           <a:bodyPr>
-            <a:normAutofit fontScale="90000"/>
+            <a:normAutofit/>
           </a:bodyPr>
           <a:lstStyle/>
           <a:p>
@@ -4078,7 +4078,7 @@
                   <a:srgbClr val="00B050"/>
                 </a:solidFill>
               </a:rPr>
-              <a:t>Betriebsanleitung</a:t>
+              <a:t>Wir präsentieren</a:t>
             </a:r>
             <a:r>
               <a:rPr lang="de-DE" sz="9600" dirty="0">
@@ -4443,7 +4443,7 @@
         <p:spPr>
           <a:xfrm>
             <a:off x="1348469" y="2800035"/>
-            <a:ext cx="2748643" cy="400110"/>
+            <a:ext cx="3005817" cy="400110"/>
           </a:xfrm>
           <a:prstGeom prst="rect">
             <a:avLst/>
@@ -4462,7 +4462,7 @@
                 <a:ea typeface="Verdana" panose="020B0604030504040204" pitchFamily="34" charset="0"/>
                 <a:cs typeface="Times New Roman" panose="02020603050405020304" pitchFamily="18" charset="0"/>
               </a:rPr>
-              <a:t>Bedienanleitung</a:t>
+              <a:t>Bedienungsanleitung</a:t>
             </a:r>
           </a:p>
         </p:txBody>
@@ -4545,6 +4545,42 @@
           </a:p>
         </p:txBody>
       </p:sp>
+      <p:pic>
+        <p:nvPicPr>
+          <p:cNvPr id="8" name="Picture 7" descr="Icon&#10;&#10;Description automatically generated">
+            <a:extLst>
+              <a:ext uri="{FF2B5EF4-FFF2-40B4-BE49-F238E27FC236}">
+                <a16:creationId xmlns:a16="http://schemas.microsoft.com/office/drawing/2014/main" id="{DBE3ED20-810C-CA36-ACE6-F05C307DCD55}"/>
+              </a:ext>
+            </a:extLst>
+          </p:cNvPr>
+          <p:cNvPicPr>
+            <a:picLocks noChangeAspect="1"/>
+          </p:cNvPicPr>
+          <p:nvPr/>
+        </p:nvPicPr>
+        <p:blipFill>
+          <a:blip r:embed="rId5">
+            <a:extLst>
+              <a:ext uri="{28A0092B-C50C-407E-A947-70E740481C1C}">
+                <a14:useLocalDpi xmlns:a14="http://schemas.microsoft.com/office/drawing/2010/main" val="0"/>
+              </a:ext>
+            </a:extLst>
+          </a:blip>
+          <a:stretch>
+            <a:fillRect/>
+          </a:stretch>
+        </p:blipFill>
+        <p:spPr>
+          <a:xfrm>
+            <a:off x="811663" y="2283712"/>
+            <a:ext cx="514354" cy="514354"/>
+          </a:xfrm>
+          <a:prstGeom prst="rect">
+            <a:avLst/>
+          </a:prstGeom>
+        </p:spPr>
+      </p:pic>
     </p:spTree>
     <p:extLst>
       <p:ext uri="{BB962C8B-B14F-4D97-AF65-F5344CB8AC3E}">
@@ -5363,7 +5399,7 @@
         <p:spPr>
           <a:xfrm>
             <a:off x="5385037" y="2967335"/>
-            <a:ext cx="3082835" cy="892552"/>
+            <a:ext cx="3089492" cy="1061829"/>
           </a:xfrm>
           <a:prstGeom prst="rect">
             <a:avLst/>
@@ -5413,7 +5449,7 @@
                 <a:latin typeface="Verdana" panose="020B0604030504040204" pitchFamily="34" charset="0"/>
                 <a:ea typeface="Verdana" panose="020B0604030504040204" pitchFamily="34" charset="0"/>
               </a:rPr>
-              <a:t>) in Bein(</a:t>
+              <a:t>) in das Bein(</a:t>
             </a:r>
             <a:r>
               <a:rPr lang="de-DE" sz="1100" b="1" dirty="0">
@@ -5680,7 +5716,7 @@
                 <a:latin typeface="Verdana" panose="020B0604030504040204" pitchFamily="34" charset="0"/>
                 <a:ea typeface="Verdana" panose="020B0604030504040204" pitchFamily="34" charset="0"/>
               </a:rPr>
-              <a:t>) anpassen und mit 4x Schraube(</a:t>
+              <a:t>) anpassen und mit 4x Schrauben(</a:t>
             </a:r>
             <a:r>
               <a:rPr lang="de-DE" sz="1100" b="1" dirty="0">
@@ -6027,7 +6063,7 @@
         <p:spPr>
           <a:xfrm>
             <a:off x="580244" y="4087272"/>
-            <a:ext cx="2966963" cy="646331"/>
+            <a:ext cx="3129735" cy="369332"/>
           </a:xfrm>
           <a:prstGeom prst="rect">
             <a:avLst/>
@@ -6153,7 +6189,7 @@
                 <a:latin typeface="Verdana" panose="020B0604030504040204" pitchFamily="34" charset="0"/>
                 <a:ea typeface="Verdana" panose="020B0604030504040204" pitchFamily="34" charset="0"/>
               </a:rPr>
-              <a:t>      Ihr Tisch ist nun Einsatzbereit!</a:t>
+              <a:t>      Ihr Tisch ist nun einsatzbereit!</a:t>
             </a:r>
           </a:p>
         </p:txBody>
@@ -6356,7 +6392,7 @@
         </p:nvSpPr>
         <p:spPr>
           <a:xfrm>
-            <a:off x="734786" y="1758043"/>
+            <a:off x="702129" y="1500403"/>
             <a:ext cx="6553200" cy="4606774"/>
           </a:xfrm>
           <a:prstGeom prst="rect">
@@ -7091,7 +7127,7 @@
                 <a:latin typeface="Verdana" panose="020B0604030504040204" pitchFamily="34" charset="0"/>
                 <a:ea typeface="Verdana" panose="020B0604030504040204" pitchFamily="34" charset="0"/>
               </a:rPr>
-              <a:t>2x Drücken zur Herstellung</a:t>
+              <a:t>2x drücken zur Herstellung</a:t>
             </a:r>
           </a:p>
           <a:p>
@@ -7344,7 +7380,7 @@
             </a:pPr>
             <a:r>
               <a:rPr lang="de-DE" dirty="0"/>
-              <a:t>Tisch nach oben -&gt; nach rechts Kurbeln  </a:t>
+              <a:t>Tisch nach oben -&gt; nach rechts kurbeln  </a:t>
             </a:r>
           </a:p>
           <a:p>
@@ -7354,7 +7390,7 @@
             </a:pPr>
             <a:r>
               <a:rPr lang="de-DE" dirty="0"/>
-              <a:t>Tisch nach unten -&gt; nach links Kurbeln</a:t>
+              <a:t>Tisch nach unten -&gt; nach links kurbeln</a:t>
             </a:r>
           </a:p>
         </p:txBody>
@@ -7463,7 +7499,7 @@
             </a:pPr>
             <a:r>
               <a:rPr lang="de-DE" dirty="0"/>
-              <a:t>Tisch nach oben neigen -&gt; nach rechts Kurbeln  </a:t>
+              <a:t>Tisch nach oben neigen -&gt; nach rechts kurbeln  </a:t>
             </a:r>
           </a:p>
           <a:p>
@@ -7473,7 +7509,7 @@
             </a:pPr>
             <a:r>
               <a:rPr lang="de-DE" dirty="0"/>
-              <a:t>Tisch nach unten neigen -&gt; nach links Kurbeln</a:t>
+              <a:t>Tisch nach unten neigen -&gt; nach links kurbeln</a:t>
             </a:r>
           </a:p>
         </p:txBody>
@@ -7677,7 +7713,7 @@
         <p:spPr>
           <a:xfrm>
             <a:off x="942906" y="2085999"/>
-            <a:ext cx="4871357" cy="2308324"/>
+            <a:ext cx="4871357" cy="2862322"/>
           </a:xfrm>
           <a:prstGeom prst="rect">
             <a:avLst/>
@@ -7707,15 +7743,6 @@
               <a:buFont typeface="Arial" panose="020B0604020202020204" pitchFamily="34" charset="0"/>
               <a:buChar char="•"/>
             </a:pPr>
-            <a:r>
-              <a:rPr lang="de-DE" dirty="0">
-                <a:latin typeface="Verdana" panose="020B0604030504040204" pitchFamily="34" charset="0"/>
-                <a:ea typeface="Verdana" panose="020B0604030504040204" pitchFamily="34" charset="0"/>
-              </a:rPr>
-              <a:t>Reinigen Sie die Oberflächen nur mit einem feuchtem Tuch</a:t>
-            </a:r>
-          </a:p>
-          <a:p>
             <a:endParaRPr lang="de-DE" dirty="0">
               <a:latin typeface="Verdana" panose="020B0604030504040204" pitchFamily="34" charset="0"/>
               <a:ea typeface="Verdana" panose="020B0604030504040204" pitchFamily="34" charset="0"/>
@@ -7731,8 +7758,37 @@
                 <a:latin typeface="Verdana" panose="020B0604030504040204" pitchFamily="34" charset="0"/>
                 <a:ea typeface="Verdana" panose="020B0604030504040204" pitchFamily="34" charset="0"/>
               </a:rPr>
+              <a:t>Reinigen Sie die Oberflächen nur mit einem feuchtem Tuch</a:t>
+            </a:r>
+          </a:p>
+          <a:p>
+            <a:endParaRPr lang="de-DE" dirty="0">
+              <a:latin typeface="Verdana" panose="020B0604030504040204" pitchFamily="34" charset="0"/>
+              <a:ea typeface="Verdana" panose="020B0604030504040204" pitchFamily="34" charset="0"/>
+            </a:endParaRPr>
+          </a:p>
+          <a:p>
+            <a:pPr marL="285750" indent="-285750">
+              <a:buFont typeface="Arial" panose="020B0604020202020204" pitchFamily="34" charset="0"/>
+              <a:buChar char="•"/>
+            </a:pPr>
+            <a:r>
+              <a:rPr lang="de-DE" dirty="0">
+                <a:latin typeface="Verdana" panose="020B0604030504040204" pitchFamily="34" charset="0"/>
+                <a:ea typeface="Verdana" panose="020B0604030504040204" pitchFamily="34" charset="0"/>
+              </a:rPr>
               <a:t>Überprüfen Sie den Zustand des Tisches vor jeder Inbetriebnahme</a:t>
             </a:r>
+          </a:p>
+          <a:p>
+            <a:pPr marL="285750" indent="-285750">
+              <a:buFont typeface="Arial" panose="020B0604020202020204" pitchFamily="34" charset="0"/>
+              <a:buChar char="•"/>
+            </a:pPr>
+            <a:endParaRPr lang="de-DE" dirty="0">
+              <a:latin typeface="Verdana" panose="020B0604030504040204" pitchFamily="34" charset="0"/>
+              <a:ea typeface="Verdana" panose="020B0604030504040204" pitchFamily="34" charset="0"/>
+            </a:endParaRPr>
           </a:p>
           <a:p>
             <a:pPr marL="285750" indent="-285750">
